--- a/sprites/Presentación1.pptx
+++ b/sprites/Presentación1.pptx
@@ -104,6 +104,11 @@
       </a:defRPr>
     </a:lvl9pPr>
   </p:defaultTextStyle>
+  <p:extLst>
+    <p:ext uri="{EFAFB233-063F-42B5-8137-9DF3F51BA10A}">
+      <p15:sldGuideLst xmlns:p15="http://schemas.microsoft.com/office/powerpoint/2012/main"/>
+    </p:ext>
+  </p:extLst>
 </p:presentation>
 </file>
 
@@ -254,7 +259,7 @@
           <a:p>
             <a:fld id="{9447E49A-921D-4975-8BB5-41E3C1B38EFD}" type="datetimeFigureOut">
               <a:rPr lang="es-ES" smtClean="0"/>
-              <a:t>30/01/2022</a:t>
+              <a:t>20/02/2022</a:t>
             </a:fld>
             <a:endParaRPr lang="es-ES"/>
           </a:p>
@@ -452,7 +457,7 @@
           <a:p>
             <a:fld id="{9447E49A-921D-4975-8BB5-41E3C1B38EFD}" type="datetimeFigureOut">
               <a:rPr lang="es-ES" smtClean="0"/>
-              <a:t>30/01/2022</a:t>
+              <a:t>20/02/2022</a:t>
             </a:fld>
             <a:endParaRPr lang="es-ES"/>
           </a:p>
@@ -660,7 +665,7 @@
           <a:p>
             <a:fld id="{9447E49A-921D-4975-8BB5-41E3C1B38EFD}" type="datetimeFigureOut">
               <a:rPr lang="es-ES" smtClean="0"/>
-              <a:t>30/01/2022</a:t>
+              <a:t>20/02/2022</a:t>
             </a:fld>
             <a:endParaRPr lang="es-ES"/>
           </a:p>
@@ -858,7 +863,7 @@
           <a:p>
             <a:fld id="{9447E49A-921D-4975-8BB5-41E3C1B38EFD}" type="datetimeFigureOut">
               <a:rPr lang="es-ES" smtClean="0"/>
-              <a:t>30/01/2022</a:t>
+              <a:t>20/02/2022</a:t>
             </a:fld>
             <a:endParaRPr lang="es-ES"/>
           </a:p>
@@ -1133,7 +1138,7 @@
           <a:p>
             <a:fld id="{9447E49A-921D-4975-8BB5-41E3C1B38EFD}" type="datetimeFigureOut">
               <a:rPr lang="es-ES" smtClean="0"/>
-              <a:t>30/01/2022</a:t>
+              <a:t>20/02/2022</a:t>
             </a:fld>
             <a:endParaRPr lang="es-ES"/>
           </a:p>
@@ -1398,7 +1403,7 @@
           <a:p>
             <a:fld id="{9447E49A-921D-4975-8BB5-41E3C1B38EFD}" type="datetimeFigureOut">
               <a:rPr lang="es-ES" smtClean="0"/>
-              <a:t>30/01/2022</a:t>
+              <a:t>20/02/2022</a:t>
             </a:fld>
             <a:endParaRPr lang="es-ES"/>
           </a:p>
@@ -1810,7 +1815,7 @@
           <a:p>
             <a:fld id="{9447E49A-921D-4975-8BB5-41E3C1B38EFD}" type="datetimeFigureOut">
               <a:rPr lang="es-ES" smtClean="0"/>
-              <a:t>30/01/2022</a:t>
+              <a:t>20/02/2022</a:t>
             </a:fld>
             <a:endParaRPr lang="es-ES"/>
           </a:p>
@@ -1951,7 +1956,7 @@
           <a:p>
             <a:fld id="{9447E49A-921D-4975-8BB5-41E3C1B38EFD}" type="datetimeFigureOut">
               <a:rPr lang="es-ES" smtClean="0"/>
-              <a:t>30/01/2022</a:t>
+              <a:t>20/02/2022</a:t>
             </a:fld>
             <a:endParaRPr lang="es-ES"/>
           </a:p>
@@ -2064,7 +2069,7 @@
           <a:p>
             <a:fld id="{9447E49A-921D-4975-8BB5-41E3C1B38EFD}" type="datetimeFigureOut">
               <a:rPr lang="es-ES" smtClean="0"/>
-              <a:t>30/01/2022</a:t>
+              <a:t>20/02/2022</a:t>
             </a:fld>
             <a:endParaRPr lang="es-ES"/>
           </a:p>
@@ -2375,7 +2380,7 @@
           <a:p>
             <a:fld id="{9447E49A-921D-4975-8BB5-41E3C1B38EFD}" type="datetimeFigureOut">
               <a:rPr lang="es-ES" smtClean="0"/>
-              <a:t>30/01/2022</a:t>
+              <a:t>20/02/2022</a:t>
             </a:fld>
             <a:endParaRPr lang="es-ES"/>
           </a:p>
@@ -2663,7 +2668,7 @@
           <a:p>
             <a:fld id="{9447E49A-921D-4975-8BB5-41E3C1B38EFD}" type="datetimeFigureOut">
               <a:rPr lang="es-ES" smtClean="0"/>
-              <a:t>30/01/2022</a:t>
+              <a:t>20/02/2022</a:t>
             </a:fld>
             <a:endParaRPr lang="es-ES"/>
           </a:p>
@@ -2904,7 +2909,7 @@
           <a:p>
             <a:fld id="{9447E49A-921D-4975-8BB5-41E3C1B38EFD}" type="datetimeFigureOut">
               <a:rPr lang="es-ES" smtClean="0"/>
-              <a:t>30/01/2022</a:t>
+              <a:t>20/02/2022</a:t>
             </a:fld>
             <a:endParaRPr lang="es-ES"/>
           </a:p>
@@ -3348,8 +3353,8 @@
         </p:blipFill>
         <p:spPr>
           <a:xfrm>
-            <a:off x="3322722" y="2554893"/>
-            <a:ext cx="4278159" cy="1623309"/>
+            <a:off x="2752352" y="2731709"/>
+            <a:ext cx="4278159" cy="1535633"/>
           </a:xfrm>
           <a:prstGeom prst="rect">
             <a:avLst/>
@@ -3370,7 +3375,7 @@
         </p:nvSpPr>
         <p:spPr>
           <a:xfrm>
-            <a:off x="2657347" y="823439"/>
+            <a:off x="2657347" y="799479"/>
             <a:ext cx="5236755" cy="1569660"/>
           </a:xfrm>
           <a:prstGeom prst="rect">
@@ -3492,10 +3497,10 @@
         </p:nvGrpSpPr>
         <p:grpSpPr>
           <a:xfrm>
-            <a:off x="2657347" y="3964814"/>
-            <a:ext cx="1415889" cy="1733159"/>
+            <a:off x="2654599" y="4028521"/>
+            <a:ext cx="1415889" cy="1666859"/>
             <a:chOff x="2601685" y="3831603"/>
-            <a:chExt cx="2213389" cy="2002300"/>
+            <a:chExt cx="2213389" cy="1941456"/>
           </a:xfrm>
         </p:grpSpPr>
         <p:pic>
@@ -3644,7 +3649,7 @@
           </p:nvSpPr>
           <p:spPr>
             <a:xfrm>
-              <a:off x="2944099" y="5464571"/>
+              <a:off x="2944098" y="5403727"/>
               <a:ext cx="1205330" cy="369332"/>
             </a:xfrm>
             <a:prstGeom prst="rect">
@@ -3754,8 +3759,12 @@
               <a:buChar char="•"/>
             </a:pPr>
             <a:r>
+              <a:rPr lang="es-ES" dirty="0"/>
+              <a:t>Do </a:t>
+            </a:r>
+            <a:r>
               <a:rPr lang="es-ES" dirty="0" err="1"/>
-              <a:t>Don’t</a:t>
+              <a:t>not</a:t>
             </a:r>
             <a:r>
               <a:rPr lang="es-ES" dirty="0"/>
@@ -3959,6 +3968,44 @@
               <a:rPr lang="es-ES" b="1" dirty="0"/>
               <a:t> continue</a:t>
             </a:r>
+          </a:p>
+        </p:txBody>
+      </p:sp>
+      <p:sp>
+        <p:nvSpPr>
+          <p:cNvPr id="14" name="CuadroTexto 13">
+            <a:extLst>
+              <a:ext uri="{FF2B5EF4-FFF2-40B4-BE49-F238E27FC236}">
+                <a16:creationId xmlns:a16="http://schemas.microsoft.com/office/drawing/2014/main" id="{C55E798C-4439-4AB4-9702-4D1C0627AF4E}"/>
+              </a:ext>
+            </a:extLst>
+          </p:cNvPr>
+          <p:cNvSpPr txBox="1"/>
+          <p:nvPr/>
+        </p:nvSpPr>
+        <p:spPr>
+          <a:xfrm>
+            <a:off x="2814244" y="2379866"/>
+            <a:ext cx="3595856" cy="307777"/>
+          </a:xfrm>
+          <a:prstGeom prst="rect">
+            <a:avLst/>
+          </a:prstGeom>
+          <a:noFill/>
+        </p:spPr>
+        <p:txBody>
+          <a:bodyPr wrap="none" rtlCol="0">
+            <a:spAutoFit/>
+          </a:bodyPr>
+          <a:lstStyle/>
+          <a:p>
+            <a:r>
+              <a:rPr lang="es-ES" sz="1400" dirty="0">
+                <a:latin typeface="Comic Sans MS" panose="030F0702030302020204" pitchFamily="66" charset="0"/>
+              </a:rPr>
+              <a:t>Music: https://freesound.org/s/172561/</a:t>
+            </a:r>
+            <a:endParaRPr lang="es-ES" sz="1400" dirty="0"/>
           </a:p>
         </p:txBody>
       </p:sp>

--- a/sprites/Presentación1.pptx
+++ b/sprites/Presentación1.pptx
@@ -3923,7 +3923,7 @@
         <p:spPr>
           <a:xfrm>
             <a:off x="4292276" y="5378285"/>
-            <a:ext cx="2637197" cy="369332"/>
+            <a:ext cx="3222805" cy="369332"/>
           </a:xfrm>
           <a:prstGeom prst="rect">
             <a:avLst/>
@@ -3946,11 +3946,11 @@
             </a:r>
             <a:r>
               <a:rPr lang="es-ES" b="1" dirty="0" err="1"/>
-              <a:t>any</a:t>
+              <a:t>the</a:t>
             </a:r>
             <a:r>
               <a:rPr lang="es-ES" b="1" dirty="0"/>
-              <a:t> </a:t>
+              <a:t> SPACE </a:t>
             </a:r>
             <a:r>
               <a:rPr lang="es-ES" b="1" dirty="0" err="1"/>
